--- a/usuarios.pptx
+++ b/usuarios.pptx
@@ -7,6 +7,7 @@
   <p:sldIdLst>
     <p:sldId id="256" r:id="rId2"/>
     <p:sldId id="257" r:id="rId3"/>
+    <p:sldId id="258" r:id="rId4"/>
   </p:sldIdLst>
   <p:sldSz cx="10080625" cy="5670550"/>
   <p:notesSz cx="7559675" cy="10691813"/>
@@ -105,6 +106,11 @@
       </a:defRPr>
     </a:lvl9pPr>
   </p:defaultTextStyle>
+  <p:extLst>
+    <p:ext uri="{EFAFB233-063F-42B5-8137-9DF3F51BA10A}">
+      <p15:sldGuideLst xmlns:p15="http://schemas.microsoft.com/office/powerpoint/2012/main"/>
+    </p:ext>
+  </p:extLst>
 </p:presentation>
 </file>
 
@@ -2450,20 +2456,20 @@
           <a:lstStyle/>
           <a:p>
             <a:r>
-              <a:rPr lang="zxx" sz="1800" b="0" strike="noStrike" spc="-1">
+              <a:rPr lang="zxx" sz="1800" b="0" strike="noStrike" spc="-1" dirty="0">
                 <a:latin typeface="Arial"/>
               </a:rPr>
               <a:t>Características</a:t>
             </a:r>
           </a:p>
           <a:p>
-            <a:endParaRPr lang="zxx" sz="1800" b="0" strike="noStrike" spc="-1">
-              <a:latin typeface="Arial"/>
-            </a:endParaRPr>
-          </a:p>
-          <a:p>
-            <a:r>
-              <a:rPr lang="zxx" sz="1800" b="0" strike="noStrike" spc="-1">
+            <a:endParaRPr lang="zxx" sz="1800" b="0" strike="noStrike" spc="-1" dirty="0">
+              <a:latin typeface="Arial"/>
+            </a:endParaRPr>
+          </a:p>
+          <a:p>
+            <a:r>
+              <a:rPr lang="zxx" sz="1800" b="0" strike="noStrike" spc="-1" dirty="0">
                 <a:latin typeface="Arial"/>
               </a:rPr>
               <a:t>Catalina trabaja en la oficina de trabajos de grados de la Universidad, se encuentra manejando los registros del sistema.</a:t>
@@ -3091,6 +3097,545 @@
     <p:extLst>
       <p:ext uri="{BB962C8B-B14F-4D97-AF65-F5344CB8AC3E}">
         <p14:creationId xmlns:p14="http://schemas.microsoft.com/office/powerpoint/2010/main" val="2923231269"/>
+      </p:ext>
+    </p:extLst>
+  </p:cSld>
+  <p:clrMapOvr>
+    <a:masterClrMapping/>
+  </p:clrMapOvr>
+  <p:timing>
+    <p:tnLst>
+      <p:par>
+        <p:cTn id="1" dur="indefinite" restart="never" nodeType="tmRoot">
+          <p:childTnLst>
+            <p:seq>
+              <p:cTn id="2" dur="indefinite" nodeType="mainSeq"/>
+              <p:prevCondLst>
+                <p:cond evt="onPrev" delay="0">
+                  <p:tgtEl>
+                    <p:sldTgt/>
+                  </p:tgtEl>
+                </p:cond>
+              </p:prevCondLst>
+              <p:nextCondLst>
+                <p:cond evt="onNext" delay="0">
+                  <p:tgtEl>
+                    <p:sldTgt/>
+                  </p:tgtEl>
+                </p:cond>
+              </p:nextCondLst>
+            </p:seq>
+          </p:childTnLst>
+        </p:cTn>
+      </p:par>
+    </p:tnLst>
+  </p:timing>
+</p:sld>
+</file>
+
+<file path=ppt/slides/slide3.xml><?xml version="1.0" encoding="utf-8"?>
+<p:sld xmlns:a="http://schemas.openxmlformats.org/drawingml/2006/main" xmlns:r="http://schemas.openxmlformats.org/officeDocument/2006/relationships" xmlns:p="http://schemas.openxmlformats.org/presentationml/2006/main">
+  <p:cSld>
+    <p:spTree>
+      <p:nvGrpSpPr>
+        <p:cNvPr id="1" name=""/>
+        <p:cNvGrpSpPr/>
+        <p:nvPr/>
+      </p:nvGrpSpPr>
+      <p:grpSpPr>
+        <a:xfrm>
+          <a:off x="0" y="0"/>
+          <a:ext cx="0" cy="0"/>
+          <a:chOff x="0" y="0"/>
+          <a:chExt cx="0" cy="0"/>
+        </a:xfrm>
+      </p:grpSpPr>
+      <p:sp>
+        <p:nvSpPr>
+          <p:cNvPr id="41" name="CustomShape 1"/>
+          <p:cNvSpPr/>
+          <p:nvPr/>
+        </p:nvSpPr>
+        <p:spPr>
+          <a:xfrm>
+            <a:off x="-91440" y="4572000"/>
+            <a:ext cx="10332720" cy="1188720"/>
+          </a:xfrm>
+          <a:prstGeom prst="rect">
+            <a:avLst/>
+          </a:prstGeom>
+          <a:ln/>
+        </p:spPr>
+        <p:style>
+          <a:lnRef idx="2">
+            <a:schemeClr val="accent3">
+              <a:shade val="50000"/>
+            </a:schemeClr>
+          </a:lnRef>
+          <a:fillRef idx="1">
+            <a:schemeClr val="accent3"/>
+          </a:fillRef>
+          <a:effectRef idx="0">
+            <a:schemeClr val="accent3"/>
+          </a:effectRef>
+          <a:fontRef idx="minor">
+            <a:schemeClr val="lt1"/>
+          </a:fontRef>
+        </p:style>
+      </p:sp>
+      <p:sp>
+        <p:nvSpPr>
+          <p:cNvPr id="42" name="TextShape 2"/>
+          <p:cNvSpPr txBox="1"/>
+          <p:nvPr/>
+        </p:nvSpPr>
+        <p:spPr>
+          <a:xfrm>
+            <a:off x="504000" y="226080"/>
+            <a:ext cx="9071640" cy="946440"/>
+          </a:xfrm>
+          <a:prstGeom prst="rect">
+            <a:avLst/>
+          </a:prstGeom>
+          <a:noFill/>
+          <a:ln>
+            <a:noFill/>
+          </a:ln>
+        </p:spPr>
+        <p:txBody>
+          <a:bodyPr lIns="0" tIns="0" rIns="0" bIns="0" anchor="ctr">
+            <a:spAutoFit/>
+          </a:bodyPr>
+          <a:lstStyle/>
+          <a:p>
+            <a:pPr algn="ctr"/>
+            <a:r>
+              <a:rPr lang="zxx" sz="4400" b="0" strike="noStrike" spc="-1">
+                <a:latin typeface="Arial"/>
+              </a:rPr>
+              <a:t>Casos de Uso – User Persona</a:t>
+            </a:r>
+          </a:p>
+        </p:txBody>
+      </p:sp>
+      <p:sp>
+        <p:nvSpPr>
+          <p:cNvPr id="44" name="TextShape 3"/>
+          <p:cNvSpPr txBox="1"/>
+          <p:nvPr/>
+        </p:nvSpPr>
+        <p:spPr>
+          <a:xfrm>
+            <a:off x="548640" y="4663440"/>
+            <a:ext cx="2377440" cy="367878"/>
+          </a:xfrm>
+          <a:prstGeom prst="rect">
+            <a:avLst/>
+          </a:prstGeom>
+          <a:noFill/>
+          <a:ln>
+            <a:noFill/>
+          </a:ln>
+        </p:spPr>
+        <p:txBody>
+          <a:bodyPr lIns="90000" tIns="45000" rIns="90000" bIns="45000">
+            <a:spAutoFit/>
+          </a:bodyPr>
+          <a:lstStyle/>
+          <a:p>
+            <a:r>
+              <a:rPr lang="es-ES" sz="1800" b="0" strike="noStrike" spc="-1" dirty="0">
+                <a:latin typeface="Arial"/>
+              </a:rPr>
+              <a:t>A</a:t>
+            </a:r>
+            <a:r>
+              <a:rPr lang="es-CO" sz="1800" b="0" strike="noStrike" spc="-1" dirty="0" err="1">
+                <a:latin typeface="Arial"/>
+              </a:rPr>
+              <a:t>nthony</a:t>
+            </a:r>
+            <a:r>
+              <a:rPr lang="es-CO" sz="1800" b="0" strike="noStrike" spc="-1" dirty="0">
+                <a:latin typeface="Arial"/>
+              </a:rPr>
+              <a:t> </a:t>
+            </a:r>
+            <a:r>
+              <a:rPr lang="es-CO" sz="1800" b="0" strike="noStrike" spc="-1" dirty="0" err="1">
+                <a:latin typeface="Arial"/>
+              </a:rPr>
+              <a:t>Gutierres</a:t>
+            </a:r>
+            <a:endParaRPr lang="zxx" sz="1800" b="0" strike="noStrike" spc="-1" dirty="0">
+              <a:latin typeface="Arial"/>
+            </a:endParaRPr>
+          </a:p>
+        </p:txBody>
+      </p:sp>
+      <p:sp>
+        <p:nvSpPr>
+          <p:cNvPr id="45" name="TextShape 4"/>
+          <p:cNvSpPr txBox="1"/>
+          <p:nvPr/>
+        </p:nvSpPr>
+        <p:spPr>
+          <a:xfrm>
+            <a:off x="552240" y="5048640"/>
+            <a:ext cx="1093680" cy="367878"/>
+          </a:xfrm>
+          <a:prstGeom prst="rect">
+            <a:avLst/>
+          </a:prstGeom>
+          <a:noFill/>
+          <a:ln>
+            <a:noFill/>
+          </a:ln>
+        </p:spPr>
+        <p:txBody>
+          <a:bodyPr lIns="90000" tIns="45000" rIns="90000" bIns="45000">
+            <a:spAutoFit/>
+          </a:bodyPr>
+          <a:lstStyle/>
+          <a:p>
+            <a:r>
+              <a:rPr lang="zxx" sz="1800" b="0" strike="noStrike" spc="-1" dirty="0">
+                <a:latin typeface="Arial"/>
+              </a:rPr>
+              <a:t>Edad:</a:t>
+            </a:r>
+            <a:r>
+              <a:rPr lang="es-ES" sz="1800" b="0" strike="noStrike" spc="-1" dirty="0">
+                <a:latin typeface="Arial"/>
+              </a:rPr>
+              <a:t>38</a:t>
+            </a:r>
+            <a:endParaRPr lang="zxx" sz="1800" b="0" strike="noStrike" spc="-1" dirty="0">
+              <a:latin typeface="Arial"/>
+            </a:endParaRPr>
+          </a:p>
+        </p:txBody>
+      </p:sp>
+      <p:sp>
+        <p:nvSpPr>
+          <p:cNvPr id="46" name="TextShape 5"/>
+          <p:cNvSpPr txBox="1"/>
+          <p:nvPr/>
+        </p:nvSpPr>
+        <p:spPr>
+          <a:xfrm>
+            <a:off x="2015280" y="5048640"/>
+            <a:ext cx="2347920" cy="644877"/>
+          </a:xfrm>
+          <a:prstGeom prst="rect">
+            <a:avLst/>
+          </a:prstGeom>
+          <a:noFill/>
+          <a:ln>
+            <a:noFill/>
+          </a:ln>
+        </p:spPr>
+        <p:txBody>
+          <a:bodyPr lIns="90000" tIns="45000" rIns="90000" bIns="45000">
+            <a:spAutoFit/>
+          </a:bodyPr>
+          <a:lstStyle/>
+          <a:p>
+            <a:r>
+              <a:rPr lang="zxx" sz="1800" b="0" strike="noStrike" spc="-1" dirty="0">
+                <a:latin typeface="Arial"/>
+              </a:rPr>
+              <a:t>Ocupación: </a:t>
+            </a:r>
+            <a:r>
+              <a:rPr lang="es-CO" spc="-1" dirty="0">
+                <a:latin typeface="Arial"/>
+              </a:rPr>
+              <a:t>ingeniero </a:t>
+            </a:r>
+            <a:r>
+              <a:rPr lang="es-CO" spc="-1" dirty="0" err="1">
+                <a:latin typeface="Arial"/>
+              </a:rPr>
+              <a:t>quimico</a:t>
+            </a:r>
+            <a:r>
+              <a:rPr lang="es-CO" spc="-1" dirty="0">
+                <a:latin typeface="Arial"/>
+              </a:rPr>
+              <a:t> </a:t>
+            </a:r>
+            <a:endParaRPr lang="zxx" sz="1800" b="0" strike="noStrike" spc="-1" dirty="0">
+              <a:latin typeface="Arial"/>
+            </a:endParaRPr>
+          </a:p>
+        </p:txBody>
+      </p:sp>
+      <p:sp>
+        <p:nvSpPr>
+          <p:cNvPr id="47" name="TextShape 6"/>
+          <p:cNvSpPr txBox="1"/>
+          <p:nvPr/>
+        </p:nvSpPr>
+        <p:spPr>
+          <a:xfrm>
+            <a:off x="3108960" y="1396386"/>
+            <a:ext cx="6492240" cy="1475873"/>
+          </a:xfrm>
+          <a:prstGeom prst="rect">
+            <a:avLst/>
+          </a:prstGeom>
+          <a:noFill/>
+          <a:ln>
+            <a:noFill/>
+          </a:ln>
+        </p:spPr>
+        <p:txBody>
+          <a:bodyPr lIns="90000" tIns="45000" rIns="90000" bIns="45000">
+            <a:spAutoFit/>
+          </a:bodyPr>
+          <a:lstStyle/>
+          <a:p>
+            <a:r>
+              <a:rPr lang="zxx" sz="1800" b="0" strike="noStrike" spc="-1" dirty="0">
+                <a:latin typeface="Arial"/>
+              </a:rPr>
+              <a:t>Objetivos</a:t>
+            </a:r>
+          </a:p>
+          <a:p>
+            <a:endParaRPr lang="zxx" sz="1800" b="0" strike="noStrike" spc="-1" dirty="0">
+              <a:latin typeface="Arial"/>
+            </a:endParaRPr>
+          </a:p>
+          <a:p>
+            <a:r>
+              <a:rPr lang="es-CO" sz="1800" b="0" strike="noStrike" spc="-1" dirty="0">
+                <a:latin typeface="Arial"/>
+              </a:rPr>
+              <a:t>Crear el mejor entorno laboral en su empresa y disfrutar la ciencia en su máximo esplendor.</a:t>
+            </a:r>
+            <a:endParaRPr lang="zxx" sz="1800" b="0" strike="noStrike" spc="-1" dirty="0">
+              <a:latin typeface="Arial"/>
+            </a:endParaRPr>
+          </a:p>
+          <a:p>
+            <a:endParaRPr lang="zxx" sz="1800" b="0" strike="noStrike" spc="-1" dirty="0">
+              <a:latin typeface="Arial"/>
+            </a:endParaRPr>
+          </a:p>
+        </p:txBody>
+      </p:sp>
+      <p:sp>
+        <p:nvSpPr>
+          <p:cNvPr id="48" name="TextShape 7"/>
+          <p:cNvSpPr txBox="1"/>
+          <p:nvPr/>
+        </p:nvSpPr>
+        <p:spPr>
+          <a:xfrm>
+            <a:off x="3108960" y="2751925"/>
+            <a:ext cx="6492240" cy="1752872"/>
+          </a:xfrm>
+          <a:prstGeom prst="rect">
+            <a:avLst/>
+          </a:prstGeom>
+          <a:noFill/>
+          <a:ln>
+            <a:noFill/>
+          </a:ln>
+        </p:spPr>
+        <p:txBody>
+          <a:bodyPr lIns="90000" tIns="45000" rIns="90000" bIns="45000">
+            <a:spAutoFit/>
+          </a:bodyPr>
+          <a:lstStyle/>
+          <a:p>
+            <a:r>
+              <a:rPr lang="zxx" sz="1800" b="0" strike="noStrike" spc="-1" dirty="0">
+                <a:latin typeface="Arial"/>
+              </a:rPr>
+              <a:t>Características</a:t>
+            </a:r>
+          </a:p>
+          <a:p>
+            <a:endParaRPr lang="zxx" sz="1800" b="0" strike="noStrike" spc="-1" dirty="0">
+              <a:latin typeface="Arial"/>
+            </a:endParaRPr>
+          </a:p>
+          <a:p>
+            <a:r>
+              <a:rPr lang="es-ES" sz="1800" b="0" strike="noStrike" spc="-1" dirty="0">
+                <a:latin typeface="Arial"/>
+              </a:rPr>
+              <a:t>Anthony es un muy buen ingeniero que ayuda a quien lo necesita, ayuda repartiendo su conocimiento y mejora constantemente aprendiendo todo lo que puede y mejora sus características laborales</a:t>
+            </a:r>
+            <a:endParaRPr lang="zxx" sz="1800" b="0" strike="noStrike" spc="-1" dirty="0">
+              <a:latin typeface="Arial"/>
+            </a:endParaRPr>
+          </a:p>
+        </p:txBody>
+      </p:sp>
+      <p:sp>
+        <p:nvSpPr>
+          <p:cNvPr id="49" name="TextShape 8"/>
+          <p:cNvSpPr txBox="1"/>
+          <p:nvPr/>
+        </p:nvSpPr>
+        <p:spPr>
+          <a:xfrm>
+            <a:off x="7315200" y="4663440"/>
+            <a:ext cx="2377440" cy="346320"/>
+          </a:xfrm>
+          <a:prstGeom prst="rect">
+            <a:avLst/>
+          </a:prstGeom>
+          <a:noFill/>
+          <a:ln>
+            <a:noFill/>
+          </a:ln>
+        </p:spPr>
+        <p:txBody>
+          <a:bodyPr lIns="90000" tIns="45000" rIns="90000" bIns="45000">
+            <a:spAutoFit/>
+          </a:bodyPr>
+          <a:lstStyle/>
+          <a:p>
+            <a:r>
+              <a:rPr lang="zxx" sz="1800" b="0" strike="noStrike" spc="-1">
+                <a:latin typeface="Arial"/>
+              </a:rPr>
+              <a:t>Marcas preferidas</a:t>
+            </a:r>
+          </a:p>
+        </p:txBody>
+      </p:sp>
+      <p:sp>
+        <p:nvSpPr>
+          <p:cNvPr id="50" name="TextShape 9"/>
+          <p:cNvSpPr txBox="1"/>
+          <p:nvPr/>
+        </p:nvSpPr>
+        <p:spPr>
+          <a:xfrm>
+            <a:off x="3383280" y="5120640"/>
+            <a:ext cx="180720" cy="346320"/>
+          </a:xfrm>
+          <a:prstGeom prst="rect">
+            <a:avLst/>
+          </a:prstGeom>
+          <a:noFill/>
+          <a:ln>
+            <a:noFill/>
+          </a:ln>
+        </p:spPr>
+      </p:sp>
+      <p:sp>
+        <p:nvSpPr>
+          <p:cNvPr id="51" name="TextShape 10"/>
+          <p:cNvSpPr txBox="1"/>
+          <p:nvPr/>
+        </p:nvSpPr>
+        <p:spPr>
+          <a:xfrm>
+            <a:off x="6949440" y="5048640"/>
+            <a:ext cx="2702880" cy="644877"/>
+          </a:xfrm>
+          <a:prstGeom prst="rect">
+            <a:avLst/>
+          </a:prstGeom>
+          <a:noFill/>
+          <a:ln>
+            <a:noFill/>
+          </a:ln>
+        </p:spPr>
+        <p:txBody>
+          <a:bodyPr lIns="90000" tIns="45000" rIns="90000" bIns="45000">
+            <a:spAutoFit/>
+          </a:bodyPr>
+          <a:lstStyle/>
+          <a:p>
+            <a:r>
+              <a:rPr lang="es-CO" spc="-1" dirty="0">
+                <a:latin typeface="Arial"/>
+              </a:rPr>
+              <a:t>A</a:t>
+            </a:r>
+            <a:r>
+              <a:rPr lang="es-CO" sz="1800" b="0" strike="noStrike" spc="-1" dirty="0">
+                <a:latin typeface="Arial"/>
+              </a:rPr>
+              <a:t>ndroid</a:t>
+            </a:r>
+            <a:r>
+              <a:rPr lang="zxx" sz="1800" b="0" strike="noStrike" spc="-1" dirty="0">
+                <a:latin typeface="Arial"/>
+              </a:rPr>
+              <a:t>, </a:t>
+            </a:r>
+            <a:r>
+              <a:rPr lang="es-ES" spc="-1" dirty="0">
+                <a:latin typeface="Arial"/>
+              </a:rPr>
+              <a:t>Microsoft</a:t>
+            </a:r>
+            <a:r>
+              <a:rPr lang="zxx" sz="1800" b="0" strike="noStrike" spc="-1" dirty="0">
+                <a:latin typeface="Arial"/>
+              </a:rPr>
+              <a:t>, </a:t>
+            </a:r>
+            <a:r>
+              <a:rPr lang="es-ES" spc="-1">
+                <a:latin typeface="Arial"/>
+              </a:rPr>
+              <a:t>P</a:t>
+            </a:r>
+            <a:r>
+              <a:rPr lang="es-ES" sz="1800" b="0" strike="noStrike" spc="-1">
+                <a:latin typeface="Arial"/>
+              </a:rPr>
+              <a:t>atprimo</a:t>
+            </a:r>
+            <a:endParaRPr lang="zxx" sz="1800" b="0" strike="noStrike" spc="-1" dirty="0">
+              <a:latin typeface="Arial"/>
+            </a:endParaRPr>
+          </a:p>
+        </p:txBody>
+      </p:sp>
+      <p:pic>
+        <p:nvPicPr>
+          <p:cNvPr id="2" name="Imagen 1">
+            <a:extLst>
+              <a:ext uri="{FF2B5EF4-FFF2-40B4-BE49-F238E27FC236}">
+                <a16:creationId xmlns:a16="http://schemas.microsoft.com/office/drawing/2014/main" id="{EC642404-6FF5-4109-9541-C01C50159EE8}"/>
+              </a:ext>
+            </a:extLst>
+          </p:cNvPr>
+          <p:cNvPicPr>
+            <a:picLocks noChangeAspect="1"/>
+          </p:cNvPicPr>
+          <p:nvPr/>
+        </p:nvPicPr>
+        <p:blipFill rotWithShape="1">
+          <a:blip r:embed="rId2"/>
+          <a:srcRect l="12379" t="44" r="29913"/>
+          <a:stretch/>
+        </p:blipFill>
+        <p:spPr>
+          <a:xfrm>
+            <a:off x="479425" y="1414916"/>
+            <a:ext cx="2611563" cy="3010204"/>
+          </a:xfrm>
+          <a:prstGeom prst="rect">
+            <a:avLst/>
+          </a:prstGeom>
+        </p:spPr>
+      </p:pic>
+    </p:spTree>
+    <p:extLst>
+      <p:ext uri="{BB962C8B-B14F-4D97-AF65-F5344CB8AC3E}">
+        <p14:creationId xmlns:p14="http://schemas.microsoft.com/office/powerpoint/2010/main" val="1067795805"/>
       </p:ext>
     </p:extLst>
   </p:cSld>
